--- a/Documents/proposal-digital-lab.pptx
+++ b/Documents/proposal-digital-lab.pptx
@@ -7727,8 +7727,8 @@
         </p:nvSpPr>
         <p:spPr>
           <a:xfrm>
-            <a:off x="657225" y="528637"/>
-            <a:ext cx="11046229" cy="5816977"/>
+            <a:off x="567284" y="212906"/>
+            <a:ext cx="11095064" cy="6370975"/>
           </a:xfrm>
           <a:prstGeom prst="rect">
             <a:avLst/>
@@ -7736,7 +7736,7 @@
           <a:noFill/>
         </p:spPr>
         <p:txBody>
-          <a:bodyPr wrap="none" rtlCol="0">
+          <a:bodyPr wrap="square" rtlCol="0">
             <a:spAutoFit/>
           </a:bodyPr>
           <a:lstStyle/>
@@ -8056,27 +8056,33 @@
             </a:pPr>
             <a:r>
               <a:rPr lang="en-US" dirty="0"/>
-              <a:t>Go to </a:t>
+              <a:t>Modify html files in template folder (change Update date to correct date), git push to the </a:t>
+            </a:r>
+            <a:r>
+              <a:rPr lang="en-US" dirty="0" err="1"/>
+              <a:t>Github</a:t>
+            </a:r>
+            <a:r>
+              <a:rPr lang="en-US" dirty="0"/>
+              <a:t> repo, then go to </a:t>
             </a:r>
             <a:r>
               <a:rPr lang="en-US" dirty="0">
                 <a:hlinkClick r:id="rId2"/>
               </a:rPr>
-              <a:t>https://goplayerviz.herokuapp.com</a:t>
-            </a:r>
-            <a:r>
-              <a:rPr lang="en-US" dirty="0"/>
-              <a:t>, and </a:t>
-            </a:r>
-            <a:r>
-              <a:rPr lang="en-US" dirty="0">
-                <a:hlinkClick r:id="rId3"/>
-              </a:rPr>
-              <a:t>https://www.goratings.org/en/</a:t>
-            </a:r>
-            <a:r>
-              <a:rPr lang="en-US" dirty="0"/>
-              <a:t> to check the updated information.</a:t>
+              <a:t>https://dashboard.heroku.com/apps</a:t>
+            </a:r>
+            <a:r>
+              <a:rPr lang="en-US" dirty="0"/>
+              <a:t> choose </a:t>
+            </a:r>
+            <a:r>
+              <a:rPr lang="en-US" dirty="0" err="1"/>
+              <a:t>goplayerviz</a:t>
+            </a:r>
+            <a:r>
+              <a:rPr lang="en-US" dirty="0"/>
+              <a:t> app, from Deploy tab, scroll down, click Deploy Branch button and deploy the app again.</a:t>
             </a:r>
           </a:p>
           <a:p>
@@ -8084,7 +8090,28 @@
               <a:buFont typeface="+mj-lt"/>
               <a:buAutoNum type="arabicPeriod"/>
             </a:pPr>
-            <a:endParaRPr lang="en-US" dirty="0"/>
+            <a:r>
+              <a:rPr lang="en-US" dirty="0"/>
+              <a:t>Go to </a:t>
+            </a:r>
+            <a:r>
+              <a:rPr lang="en-US" dirty="0">
+                <a:hlinkClick r:id="rId3"/>
+              </a:rPr>
+              <a:t>https://goplayerviz.herokuapp.com</a:t>
+            </a:r>
+            <a:r>
+              <a:rPr lang="en-US" dirty="0"/>
+              <a:t> to check the updated information, can compare with </a:t>
+            </a:r>
+            <a:r>
+              <a:rPr lang="en-US" dirty="0" err="1"/>
+              <a:t>goratings.org</a:t>
+            </a:r>
+            <a:r>
+              <a:rPr lang="en-US" dirty="0"/>
+              <a:t>.</a:t>
+            </a:r>
           </a:p>
         </p:txBody>
       </p:sp>
